--- a/I ❤️ Hackathon_ SeaKingInternShips.pptx
+++ b/I ❤️ Hackathon_ SeaKingInternShips.pptx
@@ -5,7 +5,7 @@
     <p:sldMasterId id="2147483659" r:id="rId1"/>
   </p:sldMasterIdLst>
   <p:notesMasterIdLst>
-    <p:notesMasterId r:id="rId15"/>
+    <p:notesMasterId r:id="rId16"/>
   </p:notesMasterIdLst>
   <p:sldIdLst>
     <p:sldId id="257" r:id="rId2"/>
@@ -14,35 +14,36 @@
     <p:sldId id="260" r:id="rId5"/>
     <p:sldId id="267" r:id="rId6"/>
     <p:sldId id="269" r:id="rId7"/>
-    <p:sldId id="261" r:id="rId8"/>
-    <p:sldId id="265" r:id="rId9"/>
-    <p:sldId id="268" r:id="rId10"/>
-    <p:sldId id="266" r:id="rId11"/>
-    <p:sldId id="262" r:id="rId12"/>
-    <p:sldId id="263" r:id="rId13"/>
-    <p:sldId id="264" r:id="rId14"/>
+    <p:sldId id="270" r:id="rId8"/>
+    <p:sldId id="261" r:id="rId9"/>
+    <p:sldId id="265" r:id="rId10"/>
+    <p:sldId id="268" r:id="rId11"/>
+    <p:sldId id="266" r:id="rId12"/>
+    <p:sldId id="262" r:id="rId13"/>
+    <p:sldId id="263" r:id="rId14"/>
+    <p:sldId id="264" r:id="rId15"/>
   </p:sldIdLst>
   <p:sldSz cx="9144000" cy="5143500" type="screen16x9"/>
   <p:notesSz cx="6858000" cy="9144000"/>
   <p:embeddedFontLst>
     <p:embeddedFont>
       <p:font typeface="Lato" panose="020F0502020204030203" pitchFamily="34" charset="0"/>
-      <p:regular r:id="rId16"/>
-      <p:bold r:id="rId17"/>
-      <p:italic r:id="rId18"/>
-      <p:boldItalic r:id="rId19"/>
+      <p:regular r:id="rId17"/>
+      <p:bold r:id="rId18"/>
+      <p:italic r:id="rId19"/>
+      <p:boldItalic r:id="rId20"/>
     </p:embeddedFont>
     <p:embeddedFont>
       <p:font typeface="Poppins" panose="00000500000000000000" pitchFamily="2" charset="0"/>
-      <p:regular r:id="rId20"/>
-      <p:bold r:id="rId21"/>
+      <p:regular r:id="rId21"/>
+      <p:bold r:id="rId22"/>
     </p:embeddedFont>
     <p:embeddedFont>
       <p:font typeface="Raleway" pitchFamily="2" charset="0"/>
-      <p:regular r:id="rId22"/>
-      <p:bold r:id="rId23"/>
-      <p:italic r:id="rId24"/>
-      <p:boldItalic r:id="rId25"/>
+      <p:regular r:id="rId23"/>
+      <p:bold r:id="rId24"/>
+      <p:italic r:id="rId25"/>
+      <p:boldItalic r:id="rId26"/>
     </p:embeddedFont>
   </p:embeddedFontLst>
   <p:defaultTextStyle>
@@ -8949,6 +8950,126 @@
         <p:cNvPr id="1" name="Shape 116">
           <a:extLst>
             <a:ext uri="{FF2B5EF4-FFF2-40B4-BE49-F238E27FC236}">
+              <a16:creationId xmlns:a16="http://schemas.microsoft.com/office/drawing/2014/main" id="{290BD07F-BB5E-0CA7-662F-C72302E9FA25}"/>
+            </a:ext>
+          </a:extLst>
+        </p:cNvPr>
+        <p:cNvGrpSpPr/>
+        <p:nvPr/>
+      </p:nvGrpSpPr>
+      <p:grpSpPr>
+        <a:xfrm>
+          <a:off x="0" y="0"/>
+          <a:ext cx="0" cy="0"/>
+          <a:chOff x="0" y="0"/>
+          <a:chExt cx="0" cy="0"/>
+        </a:xfrm>
+      </p:grpSpPr>
+      <p:sp>
+        <p:nvSpPr>
+          <p:cNvPr id="117" name="Google Shape;117;p18">
+            <a:extLst>
+              <a:ext uri="{FF2B5EF4-FFF2-40B4-BE49-F238E27FC236}">
+                <a16:creationId xmlns:a16="http://schemas.microsoft.com/office/drawing/2014/main" id="{DB85C40D-0B2E-86B5-D4A3-FCC359A8FF68}"/>
+              </a:ext>
+            </a:extLst>
+          </p:cNvPr>
+          <p:cNvSpPr txBox="1">
+            <a:spLocks noGrp="1"/>
+          </p:cNvSpPr>
+          <p:nvPr>
+            <p:ph type="title"/>
+          </p:nvPr>
+        </p:nvSpPr>
+        <p:spPr>
+          <a:xfrm>
+            <a:off x="727800" y="603033"/>
+            <a:ext cx="7688400" cy="535200"/>
+          </a:xfrm>
+          <a:prstGeom prst="rect">
+            <a:avLst/>
+          </a:prstGeom>
+        </p:spPr>
+        <p:txBody>
+          <a:bodyPr spcFirstLastPara="1" wrap="square" lIns="91425" tIns="91425" rIns="91425" bIns="91425" anchor="t" anchorCtr="0">
+            <a:normAutofit fontScale="90000"/>
+          </a:bodyPr>
+          <a:lstStyle/>
+          <a:p>
+            <a:pPr marL="0" lvl="0" indent="0" algn="l" rtl="0">
+              <a:spcBef>
+                <a:spcPts val="0"/>
+              </a:spcBef>
+              <a:spcAft>
+                <a:spcPts val="0"/>
+              </a:spcAft>
+              <a:buNone/>
+            </a:pPr>
+            <a:r>
+              <a:rPr lang="en" dirty="0">
+                <a:latin typeface="Poppins" panose="00000500000000000000" pitchFamily="2" charset="0"/>
+                <a:cs typeface="Poppins" panose="00000500000000000000" pitchFamily="2" charset="0"/>
+              </a:rPr>
+              <a:t>Architecture – AI NFT Image Generator</a:t>
+            </a:r>
+            <a:endParaRPr dirty="0">
+              <a:latin typeface="Poppins" panose="00000500000000000000" pitchFamily="2" charset="0"/>
+              <a:cs typeface="Poppins" panose="00000500000000000000" pitchFamily="2" charset="0"/>
+            </a:endParaRPr>
+          </a:p>
+        </p:txBody>
+      </p:sp>
+      <p:pic>
+        <p:nvPicPr>
+          <p:cNvPr id="3" name="Picture 2">
+            <a:extLst>
+              <a:ext uri="{FF2B5EF4-FFF2-40B4-BE49-F238E27FC236}">
+                <a16:creationId xmlns:a16="http://schemas.microsoft.com/office/drawing/2014/main" id="{CEDEC3EC-8B30-1412-6761-E1D8350532D5}"/>
+              </a:ext>
+            </a:extLst>
+          </p:cNvPr>
+          <p:cNvPicPr>
+            <a:picLocks noChangeAspect="1"/>
+          </p:cNvPicPr>
+          <p:nvPr/>
+        </p:nvPicPr>
+        <p:blipFill>
+          <a:blip r:embed="rId3"/>
+          <a:stretch>
+            <a:fillRect/>
+          </a:stretch>
+        </p:blipFill>
+        <p:spPr>
+          <a:xfrm>
+            <a:off x="616057" y="1692267"/>
+            <a:ext cx="7911885" cy="2848200"/>
+          </a:xfrm>
+          <a:prstGeom prst="rect">
+            <a:avLst/>
+          </a:prstGeom>
+        </p:spPr>
+      </p:pic>
+    </p:spTree>
+    <p:extLst>
+      <p:ext uri="{BB962C8B-B14F-4D97-AF65-F5344CB8AC3E}">
+        <p14:creationId xmlns:p14="http://schemas.microsoft.com/office/powerpoint/2010/main" val="1139785894"/>
+      </p:ext>
+    </p:extLst>
+  </p:cSld>
+  <p:clrMapOvr>
+    <a:masterClrMapping/>
+  </p:clrMapOvr>
+</p:sld>
+</file>
+
+<file path=ppt/slides/slide11.xml><?xml version="1.0" encoding="utf-8"?>
+<p:sld xmlns:a="http://schemas.openxmlformats.org/drawingml/2006/main" xmlns:r="http://schemas.openxmlformats.org/officeDocument/2006/relationships" xmlns:p="http://schemas.openxmlformats.org/presentationml/2006/main">
+  <p:cSld>
+    <p:spTree>
+      <p:nvGrpSpPr>
+        <p:cNvPr id="1" name="Shape 116">
+          <a:extLst>
+            <a:ext uri="{FF2B5EF4-FFF2-40B4-BE49-F238E27FC236}">
               <a16:creationId xmlns:a16="http://schemas.microsoft.com/office/drawing/2014/main" id="{FBBE9ECD-5B2A-4FC2-B8E9-C5DAF0CF4808}"/>
             </a:ext>
           </a:extLst>
@@ -9061,7 +9182,7 @@
 </p:sld>
 </file>
 
-<file path=ppt/slides/slide11.xml><?xml version="1.0" encoding="utf-8"?>
+<file path=ppt/slides/slide12.xml><?xml version="1.0" encoding="utf-8"?>
 <p:sld xmlns:a="http://schemas.openxmlformats.org/drawingml/2006/main" xmlns:r="http://schemas.openxmlformats.org/officeDocument/2006/relationships" xmlns:p="http://schemas.openxmlformats.org/presentationml/2006/main">
   <p:cSld>
     <p:spTree>
@@ -9217,7 +9338,7 @@
 </p:sld>
 </file>
 
-<file path=ppt/slides/slide12.xml><?xml version="1.0" encoding="utf-8"?>
+<file path=ppt/slides/slide13.xml><?xml version="1.0" encoding="utf-8"?>
 <p:sld xmlns:a="http://schemas.openxmlformats.org/drawingml/2006/main" xmlns:r="http://schemas.openxmlformats.org/officeDocument/2006/relationships" xmlns:p="http://schemas.openxmlformats.org/presentationml/2006/main">
   <p:cSld>
     <p:spTree>
@@ -9844,7 +9965,7 @@
 </p:sld>
 </file>
 
-<file path=ppt/slides/slide13.xml><?xml version="1.0" encoding="utf-8"?>
+<file path=ppt/slides/slide14.xml><?xml version="1.0" encoding="utf-8"?>
 <p:sld xmlns:a="http://schemas.openxmlformats.org/drawingml/2006/main" xmlns:r="http://schemas.openxmlformats.org/officeDocument/2006/relationships" xmlns:p="http://schemas.openxmlformats.org/presentationml/2006/main">
   <p:cSld>
     <p:spTree>
@@ -11578,6 +11699,66 @@
   <p:cSld>
     <p:spTree>
       <p:nvGrpSpPr>
+        <p:cNvPr id="1" name=""/>
+        <p:cNvGrpSpPr/>
+        <p:nvPr/>
+      </p:nvGrpSpPr>
+      <p:grpSpPr>
+        <a:xfrm>
+          <a:off x="0" y="0"/>
+          <a:ext cx="0" cy="0"/>
+          <a:chOff x="0" y="0"/>
+          <a:chExt cx="0" cy="0"/>
+        </a:xfrm>
+      </p:grpSpPr>
+      <p:pic>
+        <p:nvPicPr>
+          <p:cNvPr id="3" name="Picture 2">
+            <a:extLst>
+              <a:ext uri="{FF2B5EF4-FFF2-40B4-BE49-F238E27FC236}">
+                <a16:creationId xmlns:a16="http://schemas.microsoft.com/office/drawing/2014/main" id="{7F927AF9-82D2-1CFA-CCE3-984B5BD83635}"/>
+              </a:ext>
+            </a:extLst>
+          </p:cNvPr>
+          <p:cNvPicPr>
+            <a:picLocks noChangeAspect="1"/>
+          </p:cNvPicPr>
+          <p:nvPr/>
+        </p:nvPicPr>
+        <p:blipFill>
+          <a:blip r:embed="rId2"/>
+          <a:stretch>
+            <a:fillRect/>
+          </a:stretch>
+        </p:blipFill>
+        <p:spPr>
+          <a:xfrm>
+            <a:off x="0" y="891022"/>
+            <a:ext cx="9144000" cy="3257377"/>
+          </a:xfrm>
+          <a:prstGeom prst="rect">
+            <a:avLst/>
+          </a:prstGeom>
+        </p:spPr>
+      </p:pic>
+    </p:spTree>
+    <p:extLst>
+      <p:ext uri="{BB962C8B-B14F-4D97-AF65-F5344CB8AC3E}">
+        <p14:creationId xmlns:p14="http://schemas.microsoft.com/office/powerpoint/2010/main" val="3845016304"/>
+      </p:ext>
+    </p:extLst>
+  </p:cSld>
+  <p:clrMapOvr>
+    <a:masterClrMapping/>
+  </p:clrMapOvr>
+</p:sld>
+</file>
+
+<file path=ppt/slides/slide8.xml><?xml version="1.0" encoding="utf-8"?>
+<p:sld xmlns:a="http://schemas.openxmlformats.org/drawingml/2006/main" xmlns:r="http://schemas.openxmlformats.org/officeDocument/2006/relationships" xmlns:p="http://schemas.openxmlformats.org/presentationml/2006/main">
+  <p:cSld>
+    <p:spTree>
+      <p:nvGrpSpPr>
         <p:cNvPr id="1" name="Shape 116"/>
         <p:cNvGrpSpPr/>
         <p:nvPr/>
@@ -12278,7 +12459,7 @@
 </p:sld>
 </file>
 
-<file path=ppt/slides/slide8.xml><?xml version="1.0" encoding="utf-8"?>
+<file path=ppt/slides/slide9.xml><?xml version="1.0" encoding="utf-8"?>
 <p:sld xmlns:a="http://schemas.openxmlformats.org/drawingml/2006/main" xmlns:r="http://schemas.openxmlformats.org/officeDocument/2006/relationships" xmlns:p="http://schemas.openxmlformats.org/presentationml/2006/main">
   <p:cSld>
     <p:spTree>
@@ -12389,126 +12570,6 @@
     <p:extLst>
       <p:ext uri="{BB962C8B-B14F-4D97-AF65-F5344CB8AC3E}">
         <p14:creationId xmlns:p14="http://schemas.microsoft.com/office/powerpoint/2010/main" val="839896501"/>
-      </p:ext>
-    </p:extLst>
-  </p:cSld>
-  <p:clrMapOvr>
-    <a:masterClrMapping/>
-  </p:clrMapOvr>
-</p:sld>
-</file>
-
-<file path=ppt/slides/slide9.xml><?xml version="1.0" encoding="utf-8"?>
-<p:sld xmlns:a="http://schemas.openxmlformats.org/drawingml/2006/main" xmlns:r="http://schemas.openxmlformats.org/officeDocument/2006/relationships" xmlns:p="http://schemas.openxmlformats.org/presentationml/2006/main">
-  <p:cSld>
-    <p:spTree>
-      <p:nvGrpSpPr>
-        <p:cNvPr id="1" name="Shape 116">
-          <a:extLst>
-            <a:ext uri="{FF2B5EF4-FFF2-40B4-BE49-F238E27FC236}">
-              <a16:creationId xmlns:a16="http://schemas.microsoft.com/office/drawing/2014/main" id="{290BD07F-BB5E-0CA7-662F-C72302E9FA25}"/>
-            </a:ext>
-          </a:extLst>
-        </p:cNvPr>
-        <p:cNvGrpSpPr/>
-        <p:nvPr/>
-      </p:nvGrpSpPr>
-      <p:grpSpPr>
-        <a:xfrm>
-          <a:off x="0" y="0"/>
-          <a:ext cx="0" cy="0"/>
-          <a:chOff x="0" y="0"/>
-          <a:chExt cx="0" cy="0"/>
-        </a:xfrm>
-      </p:grpSpPr>
-      <p:sp>
-        <p:nvSpPr>
-          <p:cNvPr id="117" name="Google Shape;117;p18">
-            <a:extLst>
-              <a:ext uri="{FF2B5EF4-FFF2-40B4-BE49-F238E27FC236}">
-                <a16:creationId xmlns:a16="http://schemas.microsoft.com/office/drawing/2014/main" id="{DB85C40D-0B2E-86B5-D4A3-FCC359A8FF68}"/>
-              </a:ext>
-            </a:extLst>
-          </p:cNvPr>
-          <p:cNvSpPr txBox="1">
-            <a:spLocks noGrp="1"/>
-          </p:cNvSpPr>
-          <p:nvPr>
-            <p:ph type="title"/>
-          </p:nvPr>
-        </p:nvSpPr>
-        <p:spPr>
-          <a:xfrm>
-            <a:off x="727800" y="603033"/>
-            <a:ext cx="7688400" cy="535200"/>
-          </a:xfrm>
-          <a:prstGeom prst="rect">
-            <a:avLst/>
-          </a:prstGeom>
-        </p:spPr>
-        <p:txBody>
-          <a:bodyPr spcFirstLastPara="1" wrap="square" lIns="91425" tIns="91425" rIns="91425" bIns="91425" anchor="t" anchorCtr="0">
-            <a:normAutofit fontScale="90000"/>
-          </a:bodyPr>
-          <a:lstStyle/>
-          <a:p>
-            <a:pPr marL="0" lvl="0" indent="0" algn="l" rtl="0">
-              <a:spcBef>
-                <a:spcPts val="0"/>
-              </a:spcBef>
-              <a:spcAft>
-                <a:spcPts val="0"/>
-              </a:spcAft>
-              <a:buNone/>
-            </a:pPr>
-            <a:r>
-              <a:rPr lang="en" dirty="0">
-                <a:latin typeface="Poppins" panose="00000500000000000000" pitchFamily="2" charset="0"/>
-                <a:cs typeface="Poppins" panose="00000500000000000000" pitchFamily="2" charset="0"/>
-              </a:rPr>
-              <a:t>Architecture – AI NFT Image Generator</a:t>
-            </a:r>
-            <a:endParaRPr dirty="0">
-              <a:latin typeface="Poppins" panose="00000500000000000000" pitchFamily="2" charset="0"/>
-              <a:cs typeface="Poppins" panose="00000500000000000000" pitchFamily="2" charset="0"/>
-            </a:endParaRPr>
-          </a:p>
-        </p:txBody>
-      </p:sp>
-      <p:pic>
-        <p:nvPicPr>
-          <p:cNvPr id="3" name="Picture 2">
-            <a:extLst>
-              <a:ext uri="{FF2B5EF4-FFF2-40B4-BE49-F238E27FC236}">
-                <a16:creationId xmlns:a16="http://schemas.microsoft.com/office/drawing/2014/main" id="{CEDEC3EC-8B30-1412-6761-E1D8350532D5}"/>
-              </a:ext>
-            </a:extLst>
-          </p:cNvPr>
-          <p:cNvPicPr>
-            <a:picLocks noChangeAspect="1"/>
-          </p:cNvPicPr>
-          <p:nvPr/>
-        </p:nvPicPr>
-        <p:blipFill>
-          <a:blip r:embed="rId3"/>
-          <a:stretch>
-            <a:fillRect/>
-          </a:stretch>
-        </p:blipFill>
-        <p:spPr>
-          <a:xfrm>
-            <a:off x="616057" y="1692267"/>
-            <a:ext cx="7911885" cy="2848200"/>
-          </a:xfrm>
-          <a:prstGeom prst="rect">
-            <a:avLst/>
-          </a:prstGeom>
-        </p:spPr>
-      </p:pic>
-    </p:spTree>
-    <p:extLst>
-      <p:ext uri="{BB962C8B-B14F-4D97-AF65-F5344CB8AC3E}">
-        <p14:creationId xmlns:p14="http://schemas.microsoft.com/office/powerpoint/2010/main" val="1139785894"/>
       </p:ext>
     </p:extLst>
   </p:cSld>
